--- a/doc/start-stop-button.pptx
+++ b/doc/start-stop-button.pptx
@@ -10,7 +10,7 @@
     <p:sldId id="257" r:id="rId4"/>
     <p:sldId id="259" r:id="rId5"/>
     <p:sldId id="258" r:id="rId6"/>
-    <p:sldId id="260" r:id="rId7"/>
+    <p:sldId id="261" r:id="rId7"/>
   </p:sldIdLst>
   <p:sldSz cx="9144000" cy="6858000" type="screen4x3"/>
   <p:notesSz cx="7559675" cy="10691813"/>
@@ -5571,7 +5571,7 @@
       </p:grpSpPr>
       <p:sp>
         <p:nvSpPr>
-          <p:cNvPr id="4" name="CustomShape 1"/>
+          <p:cNvPr id="5" name="CustomShape 1"/>
           <p:cNvSpPr/>
           <p:nvPr/>
         </p:nvSpPr>
@@ -5613,43 +5613,43 @@
               <a:buChar char="•"/>
             </a:pPr>
             <a:r>
-              <a:rPr lang="fr-FR" sz="2400" dirty="0" smtClean="0">
+              <a:rPr lang="fr-FR" sz="2400" b="1" dirty="0" smtClean="0">
                 <a:latin typeface="Calibri"/>
               </a:rPr>
               <a:t>First of all, </a:t>
             </a:r>
             <a:r>
-              <a:rPr lang="fr-FR" sz="2400" dirty="0" err="1" smtClean="0">
+              <a:rPr lang="fr-FR" sz="2400" b="1" dirty="0" err="1" smtClean="0">
                 <a:latin typeface="Calibri"/>
               </a:rPr>
               <a:t>install</a:t>
             </a:r>
             <a:r>
-              <a:rPr lang="fr-FR" sz="2400" dirty="0" smtClean="0">
+              <a:rPr lang="fr-FR" sz="2400" b="1" dirty="0" smtClean="0">
                 <a:latin typeface="Calibri"/>
               </a:rPr>
               <a:t> </a:t>
             </a:r>
             <a:r>
-              <a:rPr lang="fr-FR" sz="2400" dirty="0" err="1" smtClean="0">
+              <a:rPr lang="fr-FR" sz="2400" b="1" dirty="0" err="1" smtClean="0">
                 <a:latin typeface="Calibri"/>
               </a:rPr>
               <a:t>wiringPI</a:t>
             </a:r>
             <a:r>
-              <a:rPr lang="fr-FR" sz="2400" dirty="0" smtClean="0">
+              <a:rPr lang="fr-FR" sz="2400" b="1" dirty="0" smtClean="0">
                 <a:latin typeface="Calibri"/>
               </a:rPr>
               <a:t> </a:t>
             </a:r>
             <a:r>
-              <a:rPr lang="fr-FR" sz="2400" dirty="0" smtClean="0">
+              <a:rPr lang="fr-FR" sz="2400" b="1" dirty="0" smtClean="0">
                 <a:latin typeface="Calibri"/>
                 <a:hlinkClick r:id="rId2"/>
               </a:rPr>
               <a:t>http://wiringpi.com/download-and-install/</a:t>
             </a:r>
-            <a:endParaRPr lang="fr-FR" sz="2400" dirty="0" smtClean="0">
+            <a:endParaRPr lang="fr-FR" sz="2400" b="1" dirty="0" smtClean="0">
               <a:latin typeface="Calibri"/>
             </a:endParaRPr>
           </a:p>
@@ -5660,19 +5660,19 @@
               <a:buChar char="•"/>
             </a:pPr>
             <a:r>
-              <a:rPr lang="fr-FR" sz="2400" dirty="0" smtClean="0">
+              <a:rPr lang="fr-FR" sz="2400" b="1" dirty="0" smtClean="0">
                 <a:latin typeface="Calibri"/>
               </a:rPr>
               <a:t>Script to </a:t>
             </a:r>
             <a:r>
-              <a:rPr lang="fr-FR" sz="2400" dirty="0" err="1" smtClean="0">
+              <a:rPr lang="fr-FR" sz="2400" b="1" dirty="0" err="1" smtClean="0">
                 <a:latin typeface="Calibri"/>
               </a:rPr>
               <a:t>run</a:t>
             </a:r>
             <a:r>
-              <a:rPr lang="fr-FR" sz="2400" dirty="0" smtClean="0">
+              <a:rPr lang="fr-FR" sz="2400" b="1" dirty="0" smtClean="0">
                 <a:latin typeface="Calibri"/>
               </a:rPr>
               <a:t> at startup (daemon)</a:t>
@@ -5681,362 +5681,377 @@
           <a:p>
             <a:pPr lvl="2"/>
             <a:r>
-              <a:rPr lang="en-US" sz="1100" dirty="0" smtClean="0">
-                <a:latin typeface="Calibri"/>
+              <a:rPr lang="en-US" sz="1100" b="1" dirty="0">
+                <a:latin typeface="Courier" pitchFamily="1" charset="0"/>
               </a:rPr>
               <a:t>#!/bin/bash</a:t>
             </a:r>
           </a:p>
           <a:p>
-            <a:pPr lvl="2"/>
-            <a:r>
-              <a:rPr lang="en-US" sz="1100" dirty="0" smtClean="0">
-                <a:latin typeface="Calibri"/>
-              </a:rPr>
-              <a:t>(</a:t>
-            </a:r>
-          </a:p>
-          <a:p>
-            <a:pPr lvl="2"/>
-            <a:r>
-              <a:rPr lang="en-US" sz="1100" dirty="0" smtClean="0">
-                <a:latin typeface="Calibri"/>
+            <a:pPr lvl="1"/>
+            <a:endParaRPr lang="en-US" sz="1100" b="1" dirty="0">
+              <a:latin typeface="Courier" pitchFamily="1" charset="0"/>
+            </a:endParaRPr>
+          </a:p>
+          <a:p>
+            <a:pPr lvl="1"/>
+            <a:r>
+              <a:rPr lang="en-US" sz="1100" b="1" dirty="0">
+                <a:latin typeface="Courier" pitchFamily="1" charset="0"/>
               </a:rPr>
               <a:t>	RELAY_GPIO=5</a:t>
             </a:r>
           </a:p>
           <a:p>
-            <a:pPr lvl="2"/>
-            <a:r>
-              <a:rPr lang="en-US" sz="1100" dirty="0" smtClean="0">
-                <a:latin typeface="Calibri"/>
-              </a:rPr>
-              <a:t>	BUTTON_GPIO=4</a:t>
-            </a:r>
-          </a:p>
-          <a:p>
-            <a:pPr lvl="2"/>
-            <a:endParaRPr lang="en-US" sz="1100" dirty="0" smtClean="0">
-              <a:latin typeface="Calibri"/>
+            <a:pPr lvl="1"/>
+            <a:r>
+              <a:rPr lang="en-US" sz="1100" b="1" dirty="0">
+                <a:latin typeface="Courier" pitchFamily="1" charset="0"/>
+              </a:rPr>
+              <a:t>	</a:t>
+            </a:r>
+            <a:r>
+              <a:rPr lang="en-US" sz="1100" dirty="0">
+                <a:latin typeface="Courier" pitchFamily="1" charset="0"/>
+              </a:rPr>
+              <a:t>BUTTON_GPIO=4</a:t>
+            </a:r>
+          </a:p>
+          <a:p>
+            <a:pPr lvl="1"/>
+            <a:endParaRPr lang="en-US" sz="1100" dirty="0">
+              <a:latin typeface="Courier" pitchFamily="1" charset="0"/>
             </a:endParaRPr>
           </a:p>
           <a:p>
-            <a:pPr lvl="2"/>
-            <a:r>
-              <a:rPr lang="en-US" sz="1100" dirty="0" smtClean="0">
-                <a:latin typeface="Calibri"/>
+            <a:pPr lvl="1"/>
+            <a:r>
+              <a:rPr lang="en-US" sz="1100" dirty="0">
+                <a:latin typeface="Courier" pitchFamily="1" charset="0"/>
               </a:rPr>
               <a:t>	trap </a:t>
             </a:r>
             <a:r>
-              <a:rPr lang="en-US" sz="1100" dirty="0" err="1" smtClean="0">
-                <a:latin typeface="Calibri"/>
+              <a:rPr lang="en-US" sz="1100" dirty="0" err="1">
+                <a:latin typeface="Courier" pitchFamily="1" charset="0"/>
               </a:rPr>
               <a:t>stopRelay</a:t>
             </a:r>
             <a:r>
-              <a:rPr lang="en-US" sz="1100" dirty="0" smtClean="0">
-                <a:latin typeface="Calibri"/>
+              <a:rPr lang="en-US" sz="1100" dirty="0">
+                <a:latin typeface="Courier" pitchFamily="1" charset="0"/>
               </a:rPr>
               <a:t> 1 2 3 6 9 14 15</a:t>
             </a:r>
           </a:p>
           <a:p>
-            <a:pPr lvl="2"/>
-            <a:endParaRPr lang="en-US" sz="1100" dirty="0" smtClean="0">
-              <a:latin typeface="Calibri"/>
+            <a:pPr lvl="1"/>
+            <a:endParaRPr lang="en-US" sz="1100" dirty="0">
+              <a:latin typeface="Courier" pitchFamily="1" charset="0"/>
             </a:endParaRPr>
           </a:p>
           <a:p>
-            <a:pPr lvl="2"/>
-            <a:r>
-              <a:rPr lang="en-US" sz="1100" dirty="0" smtClean="0">
-                <a:latin typeface="Calibri"/>
+            <a:pPr lvl="1"/>
+            <a:r>
+              <a:rPr lang="en-US" sz="1100" dirty="0">
+                <a:latin typeface="Courier" pitchFamily="1" charset="0"/>
               </a:rPr>
               <a:t>	function </a:t>
             </a:r>
             <a:r>
-              <a:rPr lang="en-US" sz="1100" dirty="0" err="1" smtClean="0">
-                <a:latin typeface="Calibri"/>
+              <a:rPr lang="en-US" sz="1100" dirty="0" err="1">
+                <a:latin typeface="Courier" pitchFamily="1" charset="0"/>
               </a:rPr>
               <a:t>stopRelay</a:t>
             </a:r>
             <a:r>
-              <a:rPr lang="en-US" sz="1100" dirty="0" smtClean="0">
-                <a:latin typeface="Calibri"/>
+              <a:rPr lang="en-US" sz="1100" dirty="0">
+                <a:latin typeface="Courier" pitchFamily="1" charset="0"/>
               </a:rPr>
               <a:t>(){</a:t>
             </a:r>
           </a:p>
           <a:p>
-            <a:pPr lvl="2"/>
-            <a:r>
-              <a:rPr lang="en-US" sz="1100" dirty="0" smtClean="0">
-                <a:latin typeface="Calibri"/>
+            <a:pPr lvl="1"/>
+            <a:r>
+              <a:rPr lang="en-US" sz="1100" dirty="0">
+                <a:latin typeface="Courier" pitchFamily="1" charset="0"/>
               </a:rPr>
               <a:t>		</a:t>
             </a:r>
             <a:r>
-              <a:rPr lang="en-US" sz="1100" dirty="0" err="1" smtClean="0">
-                <a:latin typeface="Calibri"/>
+              <a:rPr lang="en-US" sz="1100" dirty="0" err="1">
+                <a:latin typeface="Courier" pitchFamily="1" charset="0"/>
               </a:rPr>
               <a:t>gpio</a:t>
             </a:r>
             <a:r>
-              <a:rPr lang="en-US" sz="1100" dirty="0" smtClean="0">
-                <a:latin typeface="Calibri"/>
+              <a:rPr lang="en-US" sz="1100" dirty="0">
+                <a:latin typeface="Courier" pitchFamily="1" charset="0"/>
               </a:rPr>
               <a:t> write $RELAY_GPIO  0</a:t>
             </a:r>
           </a:p>
           <a:p>
-            <a:pPr lvl="2"/>
-            <a:r>
-              <a:rPr lang="en-US" sz="1100" dirty="0" smtClean="0">
-                <a:latin typeface="Calibri"/>
+            <a:pPr lvl="1"/>
+            <a:r>
+              <a:rPr lang="en-US" sz="1100" dirty="0">
+                <a:latin typeface="Courier" pitchFamily="1" charset="0"/>
+              </a:rPr>
+              <a:t>		exit 0</a:t>
+            </a:r>
+          </a:p>
+          <a:p>
+            <a:pPr lvl="1"/>
+            <a:r>
+              <a:rPr lang="en-US" sz="1100" dirty="0">
+                <a:latin typeface="Courier" pitchFamily="1" charset="0"/>
               </a:rPr>
               <a:t>	}</a:t>
             </a:r>
           </a:p>
           <a:p>
-            <a:pPr lvl="2"/>
-            <a:endParaRPr lang="en-US" sz="1100" dirty="0" smtClean="0">
-              <a:latin typeface="Calibri"/>
+            <a:pPr lvl="1"/>
+            <a:r>
+              <a:rPr lang="en-US" sz="1100" dirty="0">
+                <a:latin typeface="Courier" pitchFamily="1" charset="0"/>
+              </a:rPr>
+              <a:t>	</a:t>
+            </a:r>
+            <a:r>
+              <a:rPr lang="en-US" sz="1100" dirty="0" err="1">
+                <a:latin typeface="Courier" pitchFamily="1" charset="0"/>
+              </a:rPr>
+              <a:t>gpio</a:t>
+            </a:r>
+            <a:r>
+              <a:rPr lang="en-US" sz="1100" dirty="0">
+                <a:latin typeface="Courier" pitchFamily="1" charset="0"/>
+              </a:rPr>
+              <a:t> mode $RELAY_GPIO out</a:t>
+            </a:r>
+          </a:p>
+          <a:p>
+            <a:pPr lvl="1"/>
+            <a:r>
+              <a:rPr lang="en-US" sz="1100" dirty="0">
+                <a:latin typeface="Courier" pitchFamily="1" charset="0"/>
+              </a:rPr>
+              <a:t>	</a:t>
+            </a:r>
+            <a:r>
+              <a:rPr lang="en-US" sz="1100" dirty="0" err="1">
+                <a:latin typeface="Courier" pitchFamily="1" charset="0"/>
+              </a:rPr>
+              <a:t>gpio</a:t>
+            </a:r>
+            <a:r>
+              <a:rPr lang="en-US" sz="1100" dirty="0">
+                <a:latin typeface="Courier" pitchFamily="1" charset="0"/>
+              </a:rPr>
+              <a:t> mode $BUTTON_GPIO in</a:t>
+            </a:r>
+          </a:p>
+          <a:p>
+            <a:pPr lvl="1"/>
+            <a:endParaRPr lang="en-US" sz="1100" dirty="0">
+              <a:latin typeface="Courier" pitchFamily="1" charset="0"/>
             </a:endParaRPr>
           </a:p>
           <a:p>
-            <a:pPr lvl="2"/>
-            <a:endParaRPr lang="en-US" sz="1100" dirty="0" smtClean="0">
-              <a:latin typeface="Calibri"/>
-            </a:endParaRPr>
-          </a:p>
-          <a:p>
-            <a:pPr lvl="2"/>
-            <a:r>
-              <a:rPr lang="en-US" sz="1100" dirty="0" smtClean="0">
-                <a:latin typeface="Calibri"/>
+            <a:pPr lvl="1"/>
+            <a:r>
+              <a:rPr lang="en-US" sz="1100" dirty="0">
+                <a:latin typeface="Courier" pitchFamily="1" charset="0"/>
               </a:rPr>
               <a:t>	</a:t>
             </a:r>
             <a:r>
-              <a:rPr lang="en-US" sz="1100" dirty="0" err="1" smtClean="0">
-                <a:latin typeface="Calibri"/>
+              <a:rPr lang="en-US" sz="1100" dirty="0" err="1">
+                <a:latin typeface="Courier" pitchFamily="1" charset="0"/>
               </a:rPr>
               <a:t>gpio</a:t>
             </a:r>
             <a:r>
-              <a:rPr lang="en-US" sz="1100" dirty="0" smtClean="0">
-                <a:latin typeface="Calibri"/>
-              </a:rPr>
-              <a:t> mode $RELAY_GPIO out</a:t>
-            </a:r>
-          </a:p>
-          <a:p>
-            <a:pPr lvl="2"/>
-            <a:r>
-              <a:rPr lang="en-US" sz="1100" dirty="0" smtClean="0">
-                <a:latin typeface="Calibri"/>
-              </a:rPr>
-              <a:t>	</a:t>
-            </a:r>
-            <a:r>
-              <a:rPr lang="en-US" sz="1100" dirty="0" err="1" smtClean="0">
-                <a:latin typeface="Calibri"/>
+              <a:rPr lang="en-US" sz="1100" dirty="0">
+                <a:latin typeface="Courier" pitchFamily="1" charset="0"/>
+              </a:rPr>
+              <a:t> write $RELAY_GPIO  1</a:t>
+            </a:r>
+          </a:p>
+          <a:p>
+            <a:pPr lvl="1"/>
+            <a:r>
+              <a:rPr lang="en-US" sz="1100" dirty="0">
+                <a:latin typeface="Courier" pitchFamily="1" charset="0"/>
+              </a:rPr>
+              <a:t>	while [ 1 ] ; do</a:t>
+            </a:r>
+          </a:p>
+          <a:p>
+            <a:pPr lvl="1"/>
+            <a:r>
+              <a:rPr lang="en-US" sz="1100" dirty="0">
+                <a:latin typeface="Courier" pitchFamily="1" charset="0"/>
+              </a:rPr>
+              <a:t>		BUTT=`/</a:t>
+            </a:r>
+            <a:r>
+              <a:rPr lang="en-US" sz="1100" dirty="0" err="1">
+                <a:latin typeface="Courier" pitchFamily="1" charset="0"/>
+              </a:rPr>
+              <a:t>usr</a:t>
+            </a:r>
+            <a:r>
+              <a:rPr lang="en-US" sz="1100" dirty="0">
+                <a:latin typeface="Courier" pitchFamily="1" charset="0"/>
+              </a:rPr>
+              <a:t>/local/bin/</a:t>
+            </a:r>
+            <a:r>
+              <a:rPr lang="en-US" sz="1100" dirty="0" err="1">
+                <a:latin typeface="Courier" pitchFamily="1" charset="0"/>
               </a:rPr>
               <a:t>gpio</a:t>
             </a:r>
             <a:r>
-              <a:rPr lang="en-US" sz="1100" dirty="0" smtClean="0">
-                <a:latin typeface="Calibri"/>
-              </a:rPr>
-              <a:t> mode $BUTTON_PIN in</a:t>
-            </a:r>
-          </a:p>
-          <a:p>
-            <a:pPr lvl="2"/>
-            <a:endParaRPr lang="en-US" sz="1100" dirty="0" smtClean="0">
-              <a:latin typeface="Calibri"/>
-            </a:endParaRPr>
-          </a:p>
-          <a:p>
-            <a:pPr lvl="2"/>
-            <a:r>
-              <a:rPr lang="en-US" sz="1100" dirty="0" smtClean="0">
-                <a:latin typeface="Calibri"/>
-              </a:rPr>
-              <a:t>	</a:t>
-            </a:r>
-            <a:r>
-              <a:rPr lang="en-US" sz="1100" dirty="0" err="1" smtClean="0">
-                <a:latin typeface="Calibri"/>
+              <a:rPr lang="en-US" sz="1100" dirty="0">
+                <a:latin typeface="Courier" pitchFamily="1" charset="0"/>
+              </a:rPr>
+              <a:t> read $BUTTON_GPIO`</a:t>
+            </a:r>
+          </a:p>
+          <a:p>
+            <a:pPr lvl="1"/>
+            <a:r>
+              <a:rPr lang="en-US" sz="1100" dirty="0">
+                <a:latin typeface="Courier" pitchFamily="1" charset="0"/>
+              </a:rPr>
+              <a:t>		if [ $BUTT -</a:t>
+            </a:r>
+            <a:r>
+              <a:rPr lang="en-US" sz="1100" dirty="0" err="1">
+                <a:latin typeface="Courier" pitchFamily="1" charset="0"/>
+              </a:rPr>
+              <a:t>eq</a:t>
+            </a:r>
+            <a:r>
+              <a:rPr lang="en-US" sz="1100" dirty="0">
+                <a:latin typeface="Courier" pitchFamily="1" charset="0"/>
+              </a:rPr>
+              <a:t> 1 ] ; then</a:t>
+            </a:r>
+          </a:p>
+          <a:p>
+            <a:pPr lvl="1"/>
+            <a:r>
+              <a:rPr lang="en-US" sz="1100" dirty="0">
+                <a:latin typeface="Courier" pitchFamily="1" charset="0"/>
+              </a:rPr>
+              <a:t>			while [ $BUTT -</a:t>
+            </a:r>
+            <a:r>
+              <a:rPr lang="en-US" sz="1100" dirty="0" err="1">
+                <a:latin typeface="Courier" pitchFamily="1" charset="0"/>
+              </a:rPr>
+              <a:t>eq</a:t>
+            </a:r>
+            <a:r>
+              <a:rPr lang="en-US" sz="1100" dirty="0">
+                <a:latin typeface="Courier" pitchFamily="1" charset="0"/>
+              </a:rPr>
+              <a:t> 1 ] ; do</a:t>
+            </a:r>
+          </a:p>
+          <a:p>
+            <a:pPr lvl="1"/>
+            <a:r>
+              <a:rPr lang="en-US" sz="1100" dirty="0">
+                <a:latin typeface="Courier" pitchFamily="1" charset="0"/>
+              </a:rPr>
+              <a:t>				sleep 0.2</a:t>
+            </a:r>
+          </a:p>
+          <a:p>
+            <a:pPr lvl="1"/>
+            <a:r>
+              <a:rPr lang="en-US" sz="1100" dirty="0">
+                <a:latin typeface="Courier" pitchFamily="1" charset="0"/>
+              </a:rPr>
+              <a:t>				BUTT=`/</a:t>
+            </a:r>
+            <a:r>
+              <a:rPr lang="en-US" sz="1100" dirty="0" err="1">
+                <a:latin typeface="Courier" pitchFamily="1" charset="0"/>
+              </a:rPr>
+              <a:t>usr</a:t>
+            </a:r>
+            <a:r>
+              <a:rPr lang="en-US" sz="1100" dirty="0">
+                <a:latin typeface="Courier" pitchFamily="1" charset="0"/>
+              </a:rPr>
+              <a:t>/local/bin/</a:t>
+            </a:r>
+            <a:r>
+              <a:rPr lang="en-US" sz="1100" dirty="0" err="1">
+                <a:latin typeface="Courier" pitchFamily="1" charset="0"/>
               </a:rPr>
               <a:t>gpio</a:t>
             </a:r>
             <a:r>
-              <a:rPr lang="en-US" sz="1100" dirty="0" smtClean="0">
-                <a:latin typeface="Calibri"/>
-              </a:rPr>
-              <a:t> write $RELAY_GPIO  0</a:t>
-            </a:r>
-          </a:p>
-          <a:p>
-            <a:pPr lvl="2"/>
-            <a:r>
-              <a:rPr lang="en-US" sz="1100" dirty="0" smtClean="0">
-                <a:latin typeface="Calibri"/>
-              </a:rPr>
-              <a:t>	while [ 1 ] ; do</a:t>
-            </a:r>
-          </a:p>
-          <a:p>
-            <a:pPr lvl="2"/>
-            <a:r>
-              <a:rPr lang="en-US" sz="1100" dirty="0" smtClean="0">
-                <a:latin typeface="Calibri"/>
-              </a:rPr>
-              <a:t>		BUTT=`/</a:t>
-            </a:r>
-            <a:r>
-              <a:rPr lang="en-US" sz="1100" dirty="0" err="1" smtClean="0">
-                <a:latin typeface="Calibri"/>
-              </a:rPr>
-              <a:t>usr</a:t>
-            </a:r>
-            <a:r>
-              <a:rPr lang="en-US" sz="1100" dirty="0" smtClean="0">
-                <a:latin typeface="Calibri"/>
-              </a:rPr>
-              <a:t>/local/bin/</a:t>
-            </a:r>
-            <a:r>
-              <a:rPr lang="en-US" sz="1100" dirty="0" err="1" smtClean="0">
-                <a:latin typeface="Calibri"/>
-              </a:rPr>
-              <a:t>gpio</a:t>
-            </a:r>
-            <a:r>
-              <a:rPr lang="en-US" sz="1100" dirty="0" smtClean="0">
-                <a:latin typeface="Calibri"/>
-              </a:rPr>
-              <a:t> read $ BUTTON_PIN `</a:t>
-            </a:r>
-          </a:p>
-          <a:p>
-            <a:pPr lvl="2"/>
-            <a:r>
-              <a:rPr lang="en-US" sz="1100" dirty="0" smtClean="0">
-                <a:latin typeface="Calibri"/>
-              </a:rPr>
-              <a:t>		while [ $BUTT -</a:t>
-            </a:r>
-            <a:r>
-              <a:rPr lang="en-US" sz="1100" dirty="0" err="1" smtClean="0">
-                <a:latin typeface="Calibri"/>
-              </a:rPr>
-              <a:t>eq</a:t>
-            </a:r>
-            <a:r>
-              <a:rPr lang="en-US" sz="1100" dirty="0" smtClean="0">
-                <a:latin typeface="Calibri"/>
-              </a:rPr>
-              <a:t> 1 ] ; do</a:t>
-            </a:r>
-          </a:p>
-          <a:p>
-            <a:pPr lvl="2"/>
-            <a:r>
-              <a:rPr lang="en-US" sz="1100" dirty="0" smtClean="0">
-                <a:latin typeface="Calibri"/>
-              </a:rPr>
-              <a:t>			sleep 0.2</a:t>
-            </a:r>
-          </a:p>
-          <a:p>
-            <a:pPr lvl="2"/>
-            <a:r>
-              <a:rPr lang="en-US" sz="1100" dirty="0" smtClean="0">
-                <a:latin typeface="Calibri"/>
-              </a:rPr>
-              <a:t>			BUTT=`/</a:t>
-            </a:r>
-            <a:r>
-              <a:rPr lang="en-US" sz="1100" dirty="0" err="1" smtClean="0">
-                <a:latin typeface="Calibri"/>
-              </a:rPr>
-              <a:t>usr</a:t>
-            </a:r>
-            <a:r>
-              <a:rPr lang="en-US" sz="1100" dirty="0" smtClean="0">
-                <a:latin typeface="Calibri"/>
-              </a:rPr>
-              <a:t>/local/bin/</a:t>
-            </a:r>
-            <a:r>
-              <a:rPr lang="en-US" sz="1100" dirty="0" err="1" smtClean="0">
-                <a:latin typeface="Calibri"/>
-              </a:rPr>
-              <a:t>gpio</a:t>
-            </a:r>
-            <a:r>
-              <a:rPr lang="en-US" sz="1100" dirty="0" smtClean="0">
-                <a:latin typeface="Calibri"/>
-              </a:rPr>
-              <a:t> read $ BUTTON_PIN `</a:t>
-            </a:r>
-          </a:p>
-          <a:p>
-            <a:pPr lvl="2"/>
-            <a:r>
-              <a:rPr lang="en-US" sz="1100" dirty="0" smtClean="0">
-                <a:latin typeface="Calibri"/>
-              </a:rPr>
-              <a:t>		done</a:t>
-            </a:r>
-          </a:p>
-          <a:p>
-            <a:pPr lvl="2"/>
-            <a:r>
-              <a:rPr lang="en-US" sz="1100" dirty="0" smtClean="0">
-                <a:latin typeface="Calibri"/>
-              </a:rPr>
-              <a:t>		</a:t>
-            </a:r>
-            <a:r>
-              <a:rPr lang="en-US" sz="1100" dirty="0" err="1" smtClean="0">
-                <a:latin typeface="Calibri"/>
+              <a:rPr lang="en-US" sz="1100" dirty="0">
+                <a:latin typeface="Courier" pitchFamily="1" charset="0"/>
+              </a:rPr>
+              <a:t> read $BUTTON_GPIO `</a:t>
+            </a:r>
+          </a:p>
+          <a:p>
+            <a:pPr lvl="1"/>
+            <a:r>
+              <a:rPr lang="en-US" sz="1100" dirty="0">
+                <a:latin typeface="Courier" pitchFamily="1" charset="0"/>
+              </a:rPr>
+              <a:t>			done</a:t>
+            </a:r>
+          </a:p>
+          <a:p>
+            <a:pPr lvl="1"/>
+            <a:r>
+              <a:rPr lang="en-US" sz="1100" dirty="0">
+                <a:latin typeface="Courier" pitchFamily="1" charset="0"/>
+              </a:rPr>
+              <a:t>			echo </a:t>
+            </a:r>
+            <a:r>
+              <a:rPr lang="en-US" sz="1100" dirty="0" err="1">
+                <a:latin typeface="Courier" pitchFamily="1" charset="0"/>
               </a:rPr>
               <a:t>init</a:t>
             </a:r>
             <a:r>
-              <a:rPr lang="en-US" sz="1100" dirty="0" smtClean="0">
-                <a:latin typeface="Calibri"/>
+              <a:rPr lang="en-US" sz="1100" dirty="0">
+                <a:latin typeface="Courier" pitchFamily="1" charset="0"/>
               </a:rPr>
               <a:t> 0</a:t>
             </a:r>
           </a:p>
           <a:p>
-            <a:pPr lvl="2"/>
-            <a:r>
-              <a:rPr lang="en-US" sz="1100" dirty="0" smtClean="0">
-                <a:latin typeface="Calibri"/>
+            <a:pPr lvl="1"/>
+            <a:r>
+              <a:rPr lang="en-US" sz="1100" dirty="0">
+                <a:latin typeface="Courier" pitchFamily="1" charset="0"/>
+              </a:rPr>
+              <a:t>		fi</a:t>
+            </a:r>
+          </a:p>
+          <a:p>
+            <a:pPr lvl="1"/>
+            <a:r>
+              <a:rPr lang="en-US" sz="1100" dirty="0">
+                <a:latin typeface="Courier" pitchFamily="1" charset="0"/>
               </a:rPr>
               <a:t>	done</a:t>
             </a:r>
-          </a:p>
-          <a:p>
-            <a:pPr lvl="2"/>
-            <a:r>
-              <a:rPr lang="en-US" sz="1100" dirty="0" smtClean="0">
-                <a:latin typeface="Calibri"/>
-              </a:rPr>
-              <a:t>) &amp;</a:t>
-            </a:r>
-          </a:p>
-          <a:p>
-            <a:pPr lvl="1"/>
-            <a:endParaRPr lang="en-US" sz="1000" dirty="0" smtClean="0">
-              <a:latin typeface="Calibri"/>
-            </a:endParaRPr>
           </a:p>
           <a:p>
             <a:pPr marL="800100" lvl="1" indent="-342900">
@@ -6107,7 +6122,7 @@
     </p:spTree>
     <p:extLst>
       <p:ext uri="{BB962C8B-B14F-4D97-AF65-F5344CB8AC3E}">
-        <p14:creationId xmlns:p14="http://schemas.microsoft.com/office/powerpoint/2010/main" val="1694440071"/>
+        <p14:creationId xmlns:p14="http://schemas.microsoft.com/office/powerpoint/2010/main" val="1868833544"/>
       </p:ext>
     </p:extLst>
   </p:cSld>
